--- a/7_JSX.pptx
+++ b/7_JSX.pptx
@@ -18,6 +18,7 @@
     <p:sldId id="311" r:id="rId12"/>
     <p:sldId id="334" r:id="rId13"/>
     <p:sldId id="335" r:id="rId14"/>
+    <p:sldId id="336" r:id="rId15"/>
   </p:sldIdLst>
   <p:sldSz cx="12192000" cy="6858000"/>
   <p:notesSz cx="6858000" cy="9144000"/>
@@ -287,7 +288,7 @@
           <a:p>
             <a:fld id="{1160EA64-D806-43AC-9DF2-F8C432F32B4C}" type="datetimeFigureOut">
               <a:rPr lang="en-US" dirty="0"/>
-              <a:t>2/15/2024</a:t>
+              <a:t>2/20/2024</a:t>
             </a:fld>
             <a:endParaRPr lang="en-US" dirty="0"/>
           </a:p>
@@ -453,7 +454,7 @@
           <a:p>
             <a:fld id="{E9F9C37B-1D36-470B-8223-D6C91242EC14}" type="datetimeFigureOut">
               <a:rPr lang="en-US" dirty="0"/>
-              <a:t>2/15/2024</a:t>
+              <a:t>2/20/2024</a:t>
             </a:fld>
             <a:endParaRPr lang="en-US" dirty="0"/>
           </a:p>
@@ -628,7 +629,7 @@
           <a:p>
             <a:fld id="{67C6F52A-A82B-47A2-A83A-8C4C91F2D59F}" type="datetimeFigureOut">
               <a:rPr lang="en-US" dirty="0"/>
-              <a:t>2/15/2024</a:t>
+              <a:t>2/20/2024</a:t>
             </a:fld>
             <a:endParaRPr lang="en-US" dirty="0"/>
           </a:p>
@@ -793,7 +794,7 @@
           <a:p>
             <a:fld id="{F070A7B3-6521-4DCA-87E5-044747A908C1}" type="datetimeFigureOut">
               <a:rPr lang="en-US" dirty="0"/>
-              <a:t>2/15/2024</a:t>
+              <a:t>2/20/2024</a:t>
             </a:fld>
             <a:endParaRPr lang="en-US" dirty="0"/>
           </a:p>
@@ -1057,7 +1058,7 @@
           <a:p>
             <a:fld id="{1160EA64-D806-43AC-9DF2-F8C432F32B4C}" type="datetimeFigureOut">
               <a:rPr lang="en-US" dirty="0"/>
-              <a:t>2/15/2024</a:t>
+              <a:t>2/20/2024</a:t>
             </a:fld>
             <a:endParaRPr lang="en-US" dirty="0"/>
           </a:p>
@@ -1285,7 +1286,7 @@
           <a:p>
             <a:fld id="{AB134690-1557-4C89-A502-4959FE7FAD70}" type="datetimeFigureOut">
               <a:rPr lang="en-US" dirty="0"/>
-              <a:t>2/15/2024</a:t>
+              <a:t>2/20/2024</a:t>
             </a:fld>
             <a:endParaRPr lang="en-US" dirty="0"/>
           </a:p>
@@ -1639,7 +1640,7 @@
           <a:p>
             <a:fld id="{4F7D4976-E339-4826-83B7-FBD03F55ECF8}" type="datetimeFigureOut">
               <a:rPr lang="en-US" dirty="0"/>
-              <a:t>2/15/2024</a:t>
+              <a:t>2/20/2024</a:t>
             </a:fld>
             <a:endParaRPr lang="en-US" dirty="0"/>
           </a:p>
@@ -1775,7 +1776,7 @@
           <a:p>
             <a:fld id="{E1037C31-9E7A-4F99-8774-A0E530DE1A42}" type="datetimeFigureOut">
               <a:rPr lang="en-US" dirty="0"/>
-              <a:t>2/15/2024</a:t>
+              <a:t>2/20/2024</a:t>
             </a:fld>
             <a:endParaRPr lang="en-US" dirty="0"/>
           </a:p>
@@ -1865,7 +1866,7 @@
           <a:p>
             <a:fld id="{C278504F-A551-4DE0-9316-4DCD1D8CC752}" type="datetimeFigureOut">
               <a:rPr lang="en-US" dirty="0"/>
-              <a:t>2/15/2024</a:t>
+              <a:t>2/20/2024</a:t>
             </a:fld>
             <a:endParaRPr lang="en-US" dirty="0"/>
           </a:p>
@@ -2217,7 +2218,7 @@
           <a:p>
             <a:fld id="{D1BE4249-C0D0-4B06-8692-E8BB871AF643}" type="datetimeFigureOut">
               <a:rPr lang="en-US" dirty="0"/>
-              <a:t>2/15/2024</a:t>
+              <a:t>2/20/2024</a:t>
             </a:fld>
             <a:endParaRPr lang="en-US" dirty="0"/>
           </a:p>
@@ -2569,7 +2570,7 @@
           <a:p>
             <a:fld id="{042B0DB6-F5C7-45FB-8CF3-31B45F9C2DAC}" type="datetimeFigureOut">
               <a:rPr lang="en-US" dirty="0"/>
-              <a:t>2/15/2024</a:t>
+              <a:t>2/20/2024</a:t>
             </a:fld>
             <a:endParaRPr lang="en-US" dirty="0"/>
           </a:p>
@@ -2805,7 +2806,7 @@
           <a:p>
             <a:fld id="{1160EA64-D806-43AC-9DF2-F8C432F32B4C}" type="datetimeFigureOut">
               <a:rPr lang="en-US" dirty="0"/>
-              <a:t>2/15/2024</a:t>
+              <a:t>2/20/2024</a:t>
             </a:fld>
             <a:endParaRPr lang="en-US" dirty="0"/>
           </a:p>
@@ -6563,6 +6564,562 @@
 </p:sld>
 </file>
 
+<file path=ppt/slides/slide14.xml><?xml version="1.0" encoding="utf-8"?>
+<p:sld xmlns:a="http://schemas.openxmlformats.org/drawingml/2006/main" xmlns:r="http://schemas.openxmlformats.org/officeDocument/2006/relationships" xmlns:p="http://schemas.openxmlformats.org/presentationml/2006/main">
+  <p:cSld>
+    <p:spTree>
+      <p:nvGrpSpPr>
+        <p:cNvPr id="1" name=""/>
+        <p:cNvGrpSpPr/>
+        <p:nvPr/>
+      </p:nvGrpSpPr>
+      <p:grpSpPr>
+        <a:xfrm>
+          <a:off x="0" y="0"/>
+          <a:ext cx="0" cy="0"/>
+          <a:chOff x="0" y="0"/>
+          <a:chExt cx="0" cy="0"/>
+        </a:xfrm>
+      </p:grpSpPr>
+      <p:sp>
+        <p:nvSpPr>
+          <p:cNvPr id="2" name="Title 1"/>
+          <p:cNvSpPr>
+            <a:spLocks noGrp="1"/>
+          </p:cNvSpPr>
+          <p:nvPr>
+            <p:ph type="title"/>
+          </p:nvPr>
+        </p:nvSpPr>
+        <p:spPr/>
+        <p:txBody>
+          <a:bodyPr/>
+          <a:lstStyle/>
+          <a:p>
+            <a:r>
+              <a:rPr lang="en-US" dirty="0" smtClean="0"/>
+              <a:t>Bài tập</a:t>
+            </a:r>
+            <a:endParaRPr lang="en-US" dirty="0"/>
+          </a:p>
+        </p:txBody>
+      </p:sp>
+      <p:sp>
+        <p:nvSpPr>
+          <p:cNvPr id="4" name="Rectangle 3"/>
+          <p:cNvSpPr/>
+          <p:nvPr/>
+        </p:nvSpPr>
+        <p:spPr>
+          <a:xfrm>
+            <a:off x="3048000" y="2896373"/>
+            <a:ext cx="6096000" cy="2585323"/>
+          </a:xfrm>
+          <a:prstGeom prst="rect">
+            <a:avLst/>
+          </a:prstGeom>
+          <a:solidFill>
+            <a:schemeClr val="tx1"/>
+          </a:solidFill>
+        </p:spPr>
+        <p:txBody>
+          <a:bodyPr>
+            <a:spAutoFit/>
+          </a:bodyPr>
+          <a:lstStyle/>
+          <a:p>
+            <a:r>
+              <a:rPr lang="en-US" dirty="0">
+                <a:solidFill>
+                  <a:srgbClr val="D4D4D4"/>
+                </a:solidFill>
+                <a:latin typeface="Consolas" panose="020B0609020204030204" pitchFamily="49" charset="0"/>
+              </a:rPr>
+              <a:t> </a:t>
+            </a:r>
+            <a:r>
+              <a:rPr lang="en-US" dirty="0">
+                <a:solidFill>
+                  <a:srgbClr val="569CD6"/>
+                </a:solidFill>
+                <a:latin typeface="Consolas" panose="020B0609020204030204" pitchFamily="49" charset="0"/>
+              </a:rPr>
+              <a:t>const</a:t>
+            </a:r>
+            <a:r>
+              <a:rPr lang="en-US" dirty="0">
+                <a:solidFill>
+                  <a:srgbClr val="D4D4D4"/>
+                </a:solidFill>
+                <a:latin typeface="Consolas" panose="020B0609020204030204" pitchFamily="49" charset="0"/>
+              </a:rPr>
+              <a:t> </a:t>
+            </a:r>
+            <a:r>
+              <a:rPr lang="en-US" dirty="0">
+                <a:solidFill>
+                  <a:srgbClr val="4FC1FF"/>
+                </a:solidFill>
+                <a:latin typeface="Consolas" panose="020B0609020204030204" pitchFamily="49" charset="0"/>
+              </a:rPr>
+              <a:t>courses</a:t>
+            </a:r>
+            <a:r>
+              <a:rPr lang="en-US" dirty="0">
+                <a:solidFill>
+                  <a:srgbClr val="D4D4D4"/>
+                </a:solidFill>
+                <a:latin typeface="Consolas" panose="020B0609020204030204" pitchFamily="49" charset="0"/>
+              </a:rPr>
+              <a:t> = [</a:t>
+            </a:r>
+            <a:endParaRPr lang="en-US" dirty="0">
+              <a:solidFill>
+                <a:srgbClr val="CCCCCC"/>
+              </a:solidFill>
+              <a:latin typeface="Consolas" panose="020B0609020204030204" pitchFamily="49" charset="0"/>
+            </a:endParaRPr>
+          </a:p>
+          <a:p>
+            <a:r>
+              <a:rPr lang="en-US" dirty="0">
+                <a:solidFill>
+                  <a:srgbClr val="D4D4D4"/>
+                </a:solidFill>
+                <a:latin typeface="Consolas" panose="020B0609020204030204" pitchFamily="49" charset="0"/>
+              </a:rPr>
+              <a:t>            { </a:t>
+            </a:r>
+            <a:r>
+              <a:rPr lang="en-US" dirty="0">
+                <a:solidFill>
+                  <a:srgbClr val="9CDCFE"/>
+                </a:solidFill>
+                <a:latin typeface="Consolas" panose="020B0609020204030204" pitchFamily="49" charset="0"/>
+              </a:rPr>
+              <a:t>name</a:t>
+            </a:r>
+            <a:r>
+              <a:rPr lang="en-US" dirty="0">
+                <a:solidFill>
+                  <a:srgbClr val="D4D4D4"/>
+                </a:solidFill>
+                <a:latin typeface="Consolas" panose="020B0609020204030204" pitchFamily="49" charset="0"/>
+              </a:rPr>
+              <a:t>: </a:t>
+            </a:r>
+            <a:r>
+              <a:rPr lang="en-US" dirty="0">
+                <a:solidFill>
+                  <a:srgbClr val="CE9178"/>
+                </a:solidFill>
+                <a:latin typeface="Consolas" panose="020B0609020204030204" pitchFamily="49" charset="0"/>
+              </a:rPr>
+              <a:t>'HTML'</a:t>
+            </a:r>
+            <a:r>
+              <a:rPr lang="en-US" dirty="0">
+                <a:solidFill>
+                  <a:srgbClr val="D4D4D4"/>
+                </a:solidFill>
+                <a:latin typeface="Consolas" panose="020B0609020204030204" pitchFamily="49" charset="0"/>
+              </a:rPr>
+              <a:t> },</a:t>
+            </a:r>
+            <a:endParaRPr lang="en-US" dirty="0">
+              <a:solidFill>
+                <a:srgbClr val="CCCCCC"/>
+              </a:solidFill>
+              <a:latin typeface="Consolas" panose="020B0609020204030204" pitchFamily="49" charset="0"/>
+            </a:endParaRPr>
+          </a:p>
+          <a:p>
+            <a:r>
+              <a:rPr lang="en-US" dirty="0">
+                <a:solidFill>
+                  <a:srgbClr val="D4D4D4"/>
+                </a:solidFill>
+                <a:latin typeface="Consolas" panose="020B0609020204030204" pitchFamily="49" charset="0"/>
+              </a:rPr>
+              <a:t>            { </a:t>
+            </a:r>
+            <a:r>
+              <a:rPr lang="en-US" dirty="0">
+                <a:solidFill>
+                  <a:srgbClr val="9CDCFE"/>
+                </a:solidFill>
+                <a:latin typeface="Consolas" panose="020B0609020204030204" pitchFamily="49" charset="0"/>
+              </a:rPr>
+              <a:t>name</a:t>
+            </a:r>
+            <a:r>
+              <a:rPr lang="en-US" dirty="0">
+                <a:solidFill>
+                  <a:srgbClr val="D4D4D4"/>
+                </a:solidFill>
+                <a:latin typeface="Consolas" panose="020B0609020204030204" pitchFamily="49" charset="0"/>
+              </a:rPr>
+              <a:t>: </a:t>
+            </a:r>
+            <a:r>
+              <a:rPr lang="en-US" dirty="0">
+                <a:solidFill>
+                  <a:srgbClr val="CE9178"/>
+                </a:solidFill>
+                <a:latin typeface="Consolas" panose="020B0609020204030204" pitchFamily="49" charset="0"/>
+              </a:rPr>
+              <a:t>'CSS'</a:t>
+            </a:r>
+            <a:r>
+              <a:rPr lang="en-US" dirty="0">
+                <a:solidFill>
+                  <a:srgbClr val="D4D4D4"/>
+                </a:solidFill>
+                <a:latin typeface="Consolas" panose="020B0609020204030204" pitchFamily="49" charset="0"/>
+              </a:rPr>
+              <a:t> },</a:t>
+            </a:r>
+            <a:endParaRPr lang="en-US" dirty="0">
+              <a:solidFill>
+                <a:srgbClr val="CCCCCC"/>
+              </a:solidFill>
+              <a:latin typeface="Consolas" panose="020B0609020204030204" pitchFamily="49" charset="0"/>
+            </a:endParaRPr>
+          </a:p>
+          <a:p>
+            <a:r>
+              <a:rPr lang="en-US" dirty="0">
+                <a:solidFill>
+                  <a:srgbClr val="D4D4D4"/>
+                </a:solidFill>
+                <a:latin typeface="Consolas" panose="020B0609020204030204" pitchFamily="49" charset="0"/>
+              </a:rPr>
+              <a:t>            { </a:t>
+            </a:r>
+            <a:r>
+              <a:rPr lang="en-US" dirty="0">
+                <a:solidFill>
+                  <a:srgbClr val="9CDCFE"/>
+                </a:solidFill>
+                <a:latin typeface="Consolas" panose="020B0609020204030204" pitchFamily="49" charset="0"/>
+              </a:rPr>
+              <a:t>name</a:t>
+            </a:r>
+            <a:r>
+              <a:rPr lang="en-US" dirty="0">
+                <a:solidFill>
+                  <a:srgbClr val="D4D4D4"/>
+                </a:solidFill>
+                <a:latin typeface="Consolas" panose="020B0609020204030204" pitchFamily="49" charset="0"/>
+              </a:rPr>
+              <a:t>: </a:t>
+            </a:r>
+            <a:r>
+              <a:rPr lang="en-US" dirty="0">
+                <a:solidFill>
+                  <a:srgbClr val="CE9178"/>
+                </a:solidFill>
+                <a:latin typeface="Consolas" panose="020B0609020204030204" pitchFamily="49" charset="0"/>
+              </a:rPr>
+              <a:t>'React'</a:t>
+            </a:r>
+            <a:r>
+              <a:rPr lang="en-US" dirty="0">
+                <a:solidFill>
+                  <a:srgbClr val="D4D4D4"/>
+                </a:solidFill>
+                <a:latin typeface="Consolas" panose="020B0609020204030204" pitchFamily="49" charset="0"/>
+              </a:rPr>
+              <a:t> }</a:t>
+            </a:r>
+            <a:endParaRPr lang="en-US" dirty="0">
+              <a:solidFill>
+                <a:srgbClr val="CCCCCC"/>
+              </a:solidFill>
+              <a:latin typeface="Consolas" panose="020B0609020204030204" pitchFamily="49" charset="0"/>
+            </a:endParaRPr>
+          </a:p>
+          <a:p>
+            <a:r>
+              <a:rPr lang="en-US" dirty="0">
+                <a:solidFill>
+                  <a:srgbClr val="D4D4D4"/>
+                </a:solidFill>
+                <a:latin typeface="Consolas" panose="020B0609020204030204" pitchFamily="49" charset="0"/>
+              </a:rPr>
+              <a:t>        ]</a:t>
+            </a:r>
+            <a:endParaRPr lang="en-US" dirty="0">
+              <a:solidFill>
+                <a:srgbClr val="CCCCCC"/>
+              </a:solidFill>
+              <a:latin typeface="Consolas" panose="020B0609020204030204" pitchFamily="49" charset="0"/>
+            </a:endParaRPr>
+          </a:p>
+          <a:p>
+            <a:r>
+              <a:rPr lang="en-US" dirty="0">
+                <a:solidFill>
+                  <a:srgbClr val="D4D4D4"/>
+                </a:solidFill>
+                <a:latin typeface="Consolas" panose="020B0609020204030204" pitchFamily="49" charset="0"/>
+              </a:rPr>
+              <a:t>        </a:t>
+            </a:r>
+            <a:r>
+              <a:rPr lang="en-US" dirty="0">
+                <a:solidFill>
+                  <a:srgbClr val="569CD6"/>
+                </a:solidFill>
+                <a:latin typeface="Consolas" panose="020B0609020204030204" pitchFamily="49" charset="0"/>
+              </a:rPr>
+              <a:t>const</a:t>
+            </a:r>
+            <a:r>
+              <a:rPr lang="en-US" dirty="0">
+                <a:solidFill>
+                  <a:srgbClr val="D4D4D4"/>
+                </a:solidFill>
+                <a:latin typeface="Consolas" panose="020B0609020204030204" pitchFamily="49" charset="0"/>
+              </a:rPr>
+              <a:t> </a:t>
+            </a:r>
+            <a:r>
+              <a:rPr lang="en-US" dirty="0">
+                <a:solidFill>
+                  <a:srgbClr val="4FC1FF"/>
+                </a:solidFill>
+                <a:latin typeface="Consolas" panose="020B0609020204030204" pitchFamily="49" charset="0"/>
+              </a:rPr>
+              <a:t>jsx</a:t>
+            </a:r>
+            <a:r>
+              <a:rPr lang="en-US" dirty="0">
+                <a:solidFill>
+                  <a:srgbClr val="D4D4D4"/>
+                </a:solidFill>
+                <a:latin typeface="Consolas" panose="020B0609020204030204" pitchFamily="49" charset="0"/>
+              </a:rPr>
+              <a:t> = </a:t>
+            </a:r>
+            <a:r>
+              <a:rPr lang="en-US" dirty="0">
+                <a:solidFill>
+                  <a:srgbClr val="808080"/>
+                </a:solidFill>
+                <a:latin typeface="Consolas" panose="020B0609020204030204" pitchFamily="49" charset="0"/>
+              </a:rPr>
+              <a:t>&lt;</a:t>
+            </a:r>
+            <a:r>
+              <a:rPr lang="en-US" dirty="0">
+                <a:solidFill>
+                  <a:srgbClr val="569CD6"/>
+                </a:solidFill>
+                <a:latin typeface="Consolas" panose="020B0609020204030204" pitchFamily="49" charset="0"/>
+              </a:rPr>
+              <a:t>ul</a:t>
+            </a:r>
+            <a:r>
+              <a:rPr lang="en-US" dirty="0">
+                <a:solidFill>
+                  <a:srgbClr val="808080"/>
+                </a:solidFill>
+                <a:latin typeface="Consolas" panose="020B0609020204030204" pitchFamily="49" charset="0"/>
+              </a:rPr>
+              <a:t>&gt;</a:t>
+            </a:r>
+            <a:endParaRPr lang="en-US" dirty="0">
+              <a:solidFill>
+                <a:srgbClr val="CCCCCC"/>
+              </a:solidFill>
+              <a:latin typeface="Consolas" panose="020B0609020204030204" pitchFamily="49" charset="0"/>
+            </a:endParaRPr>
+          </a:p>
+          <a:p>
+            <a:r>
+              <a:rPr lang="en-US" dirty="0">
+                <a:solidFill>
+                  <a:srgbClr val="D4D4D4"/>
+                </a:solidFill>
+                <a:latin typeface="Consolas" panose="020B0609020204030204" pitchFamily="49" charset="0"/>
+              </a:rPr>
+              <a:t>            // Render li here</a:t>
+            </a:r>
+            <a:endParaRPr lang="en-US" dirty="0">
+              <a:solidFill>
+                <a:srgbClr val="CCCCCC"/>
+              </a:solidFill>
+              <a:latin typeface="Consolas" panose="020B0609020204030204" pitchFamily="49" charset="0"/>
+            </a:endParaRPr>
+          </a:p>
+          <a:p>
+            <a:r>
+              <a:rPr lang="en-US" dirty="0">
+                <a:solidFill>
+                  <a:srgbClr val="D4D4D4"/>
+                </a:solidFill>
+                <a:latin typeface="Consolas" panose="020B0609020204030204" pitchFamily="49" charset="0"/>
+              </a:rPr>
+              <a:t>        </a:t>
+            </a:r>
+            <a:r>
+              <a:rPr lang="en-US" dirty="0">
+                <a:solidFill>
+                  <a:srgbClr val="808080"/>
+                </a:solidFill>
+                <a:latin typeface="Consolas" panose="020B0609020204030204" pitchFamily="49" charset="0"/>
+              </a:rPr>
+              <a:t>&lt;/</a:t>
+            </a:r>
+            <a:r>
+              <a:rPr lang="en-US" dirty="0">
+                <a:solidFill>
+                  <a:srgbClr val="569CD6"/>
+                </a:solidFill>
+                <a:latin typeface="Consolas" panose="020B0609020204030204" pitchFamily="49" charset="0"/>
+              </a:rPr>
+              <a:t>ul</a:t>
+            </a:r>
+            <a:r>
+              <a:rPr lang="en-US" dirty="0">
+                <a:solidFill>
+                  <a:srgbClr val="808080"/>
+                </a:solidFill>
+                <a:latin typeface="Consolas" panose="020B0609020204030204" pitchFamily="49" charset="0"/>
+              </a:rPr>
+              <a:t>&gt;</a:t>
+            </a:r>
+            <a:endParaRPr lang="en-US" dirty="0">
+              <a:solidFill>
+                <a:srgbClr val="CCCCCC"/>
+              </a:solidFill>
+              <a:latin typeface="Consolas" panose="020B0609020204030204" pitchFamily="49" charset="0"/>
+            </a:endParaRPr>
+          </a:p>
+          <a:p>
+            <a:r>
+              <a:rPr lang="en-US" dirty="0">
+                <a:solidFill>
+                  <a:srgbClr val="D4D4D4"/>
+                </a:solidFill>
+                <a:latin typeface="Consolas" panose="020B0609020204030204" pitchFamily="49" charset="0"/>
+              </a:rPr>
+              <a:t>        </a:t>
+            </a:r>
+            <a:r>
+              <a:rPr lang="en-US" dirty="0">
+                <a:solidFill>
+                  <a:srgbClr val="9CDCFE"/>
+                </a:solidFill>
+                <a:latin typeface="Consolas" panose="020B0609020204030204" pitchFamily="49" charset="0"/>
+              </a:rPr>
+              <a:t>ReactDOM</a:t>
+            </a:r>
+            <a:r>
+              <a:rPr lang="en-US" dirty="0">
+                <a:solidFill>
+                  <a:srgbClr val="D4D4D4"/>
+                </a:solidFill>
+                <a:latin typeface="Consolas" panose="020B0609020204030204" pitchFamily="49" charset="0"/>
+              </a:rPr>
+              <a:t>.</a:t>
+            </a:r>
+            <a:r>
+              <a:rPr lang="en-US" dirty="0">
+                <a:solidFill>
+                  <a:srgbClr val="DCDCAA"/>
+                </a:solidFill>
+                <a:latin typeface="Consolas" panose="020B0609020204030204" pitchFamily="49" charset="0"/>
+              </a:rPr>
+              <a:t>createRoot</a:t>
+            </a:r>
+            <a:r>
+              <a:rPr lang="en-US" dirty="0">
+                <a:solidFill>
+                  <a:srgbClr val="D4D4D4"/>
+                </a:solidFill>
+                <a:latin typeface="Consolas" panose="020B0609020204030204" pitchFamily="49" charset="0"/>
+              </a:rPr>
+              <a:t>(</a:t>
+            </a:r>
+            <a:r>
+              <a:rPr lang="en-US" dirty="0">
+                <a:solidFill>
+                  <a:srgbClr val="9CDCFE"/>
+                </a:solidFill>
+                <a:latin typeface="Consolas" panose="020B0609020204030204" pitchFamily="49" charset="0"/>
+              </a:rPr>
+              <a:t>main</a:t>
+            </a:r>
+            <a:r>
+              <a:rPr lang="en-US" dirty="0">
+                <a:solidFill>
+                  <a:srgbClr val="D4D4D4"/>
+                </a:solidFill>
+                <a:latin typeface="Consolas" panose="020B0609020204030204" pitchFamily="49" charset="0"/>
+              </a:rPr>
+              <a:t>).</a:t>
+            </a:r>
+            <a:r>
+              <a:rPr lang="en-US" dirty="0">
+                <a:solidFill>
+                  <a:srgbClr val="DCDCAA"/>
+                </a:solidFill>
+                <a:latin typeface="Consolas" panose="020B0609020204030204" pitchFamily="49" charset="0"/>
+              </a:rPr>
+              <a:t>render</a:t>
+            </a:r>
+            <a:r>
+              <a:rPr lang="en-US" dirty="0">
+                <a:solidFill>
+                  <a:srgbClr val="D4D4D4"/>
+                </a:solidFill>
+                <a:latin typeface="Consolas" panose="020B0609020204030204" pitchFamily="49" charset="0"/>
+              </a:rPr>
+              <a:t>(</a:t>
+            </a:r>
+            <a:r>
+              <a:rPr lang="en-US" dirty="0">
+                <a:solidFill>
+                  <a:srgbClr val="4FC1FF"/>
+                </a:solidFill>
+                <a:latin typeface="Consolas" panose="020B0609020204030204" pitchFamily="49" charset="0"/>
+              </a:rPr>
+              <a:t>jsx</a:t>
+            </a:r>
+            <a:r>
+              <a:rPr lang="en-US" dirty="0">
+                <a:solidFill>
+                  <a:srgbClr val="D4D4D4"/>
+                </a:solidFill>
+                <a:latin typeface="Consolas" panose="020B0609020204030204" pitchFamily="49" charset="0"/>
+              </a:rPr>
+              <a:t>);</a:t>
+            </a:r>
+            <a:endParaRPr lang="en-US" b="0" dirty="0">
+              <a:solidFill>
+                <a:srgbClr val="CCCCCC"/>
+              </a:solidFill>
+              <a:effectLst/>
+              <a:latin typeface="Consolas" panose="020B0609020204030204" pitchFamily="49" charset="0"/>
+            </a:endParaRPr>
+          </a:p>
+        </p:txBody>
+      </p:sp>
+    </p:spTree>
+    <p:extLst>
+      <p:ext uri="{BB962C8B-B14F-4D97-AF65-F5344CB8AC3E}">
+        <p14:creationId xmlns:p14="http://schemas.microsoft.com/office/powerpoint/2010/main" val="1452255511"/>
+      </p:ext>
+    </p:extLst>
+  </p:cSld>
+  <p:clrMapOvr>
+    <a:masterClrMapping/>
+  </p:clrMapOvr>
+</p:sld>
+</file>
+
 <file path=ppt/slides/slide2.xml><?xml version="1.0" encoding="utf-8"?>
 <p:sld xmlns:a="http://schemas.openxmlformats.org/drawingml/2006/main" xmlns:r="http://schemas.openxmlformats.org/officeDocument/2006/relationships" xmlns:p="http://schemas.openxmlformats.org/presentationml/2006/main">
   <p:cSld>
@@ -7361,11 +7918,6 @@
               </a:rPr>
               <a:t>Sử dụng jsx</a:t>
             </a:r>
-            <a:endParaRPr lang="en-US" dirty="0">
-              <a:latin typeface="Tahoma" panose="020B0604030504040204" pitchFamily="34" charset="0"/>
-              <a:ea typeface="Tahoma" panose="020B0604030504040204" pitchFamily="34" charset="0"/>
-              <a:cs typeface="Tahoma" panose="020B0604030504040204" pitchFamily="34" charset="0"/>
-            </a:endParaRPr>
           </a:p>
         </p:txBody>
       </p:sp>
@@ -8257,11 +8809,6 @@
               </a:rPr>
               <a:t>Sử dụng jsx</a:t>
             </a:r>
-            <a:endParaRPr lang="en-US" dirty="0">
-              <a:latin typeface="Tahoma" panose="020B0604030504040204" pitchFamily="34" charset="0"/>
-              <a:ea typeface="Tahoma" panose="020B0604030504040204" pitchFamily="34" charset="0"/>
-              <a:cs typeface="Tahoma" panose="020B0604030504040204" pitchFamily="34" charset="0"/>
-            </a:endParaRPr>
           </a:p>
         </p:txBody>
       </p:sp>
@@ -9081,11 +9628,6 @@
               </a:rPr>
               <a:t>Sử dụng jsx</a:t>
             </a:r>
-            <a:endParaRPr lang="en-US" dirty="0">
-              <a:latin typeface="Tahoma" panose="020B0604030504040204" pitchFamily="34" charset="0"/>
-              <a:ea typeface="Tahoma" panose="020B0604030504040204" pitchFamily="34" charset="0"/>
-              <a:cs typeface="Tahoma" panose="020B0604030504040204" pitchFamily="34" charset="0"/>
-            </a:endParaRPr>
           </a:p>
         </p:txBody>
       </p:sp>
@@ -9166,23 +9708,7 @@
                 <a:ea typeface="Tahoma" panose="020B0604030504040204" pitchFamily="34" charset="0"/>
                 <a:cs typeface="Tahoma" panose="020B0604030504040204" pitchFamily="34" charset="0"/>
               </a:rPr>
-              <a:t>Copy babel </a:t>
-            </a:r>
-            <a:r>
-              <a:rPr lang="en-US" dirty="0" smtClean="0">
-                <a:latin typeface="Tahoma" panose="020B0604030504040204" pitchFamily="34" charset="0"/>
-                <a:ea typeface="Tahoma" panose="020B0604030504040204" pitchFamily="34" charset="0"/>
-                <a:cs typeface="Tahoma" panose="020B0604030504040204" pitchFamily="34" charset="0"/>
-              </a:rPr>
-              <a:t>vào trong page html là </a:t>
-            </a:r>
-            <a:r>
-              <a:rPr lang="en-US" dirty="0" smtClean="0">
-                <a:latin typeface="Tahoma" panose="020B0604030504040204" pitchFamily="34" charset="0"/>
-                <a:ea typeface="Tahoma" panose="020B0604030504040204" pitchFamily="34" charset="0"/>
-                <a:cs typeface="Tahoma" panose="020B0604030504040204" pitchFamily="34" charset="0"/>
-              </a:rPr>
-              <a:t>xong bước import</a:t>
+              <a:t>Copy babel vào trong page html là xong bước import</a:t>
             </a:r>
             <a:endParaRPr lang="vi-VN" dirty="0">
               <a:latin typeface="Tahoma" panose="020B0604030504040204" pitchFamily="34" charset="0"/>
@@ -9271,11 +9797,6 @@
               </a:rPr>
               <a:t>Sử dụng jsx</a:t>
             </a:r>
-            <a:endParaRPr lang="en-US" dirty="0">
-              <a:latin typeface="Tahoma" panose="020B0604030504040204" pitchFamily="34" charset="0"/>
-              <a:ea typeface="Tahoma" panose="020B0604030504040204" pitchFamily="34" charset="0"/>
-              <a:cs typeface="Tahoma" panose="020B0604030504040204" pitchFamily="34" charset="0"/>
-            </a:endParaRPr>
           </a:p>
         </p:txBody>
       </p:sp>
@@ -9304,11 +9825,6 @@
               </a:rPr>
               <a:t>Mọi người phải để type của script là “text/babel”</a:t>
             </a:r>
-            <a:endParaRPr lang="en-US" dirty="0" smtClean="0">
-              <a:latin typeface="Tahoma" panose="020B0604030504040204" pitchFamily="34" charset="0"/>
-              <a:ea typeface="Tahoma" panose="020B0604030504040204" pitchFamily="34" charset="0"/>
-              <a:cs typeface="Tahoma" panose="020B0604030504040204" pitchFamily="34" charset="0"/>
-            </a:endParaRPr>
           </a:p>
         </p:txBody>
       </p:sp>
@@ -9805,11 +10321,6 @@
               </a:rPr>
               <a:t>Đây là đoạn js của chúng ta</a:t>
             </a:r>
-            <a:endParaRPr lang="en-US" dirty="0" smtClean="0">
-              <a:latin typeface="Tahoma" panose="020B0604030504040204" pitchFamily="34" charset="0"/>
-              <a:ea typeface="Tahoma" panose="020B0604030504040204" pitchFamily="34" charset="0"/>
-              <a:cs typeface="Tahoma" panose="020B0604030504040204" pitchFamily="34" charset="0"/>
-            </a:endParaRPr>
           </a:p>
         </p:txBody>
       </p:sp>
@@ -9942,11 +10453,6 @@
               </a:rPr>
               <a:t>Sau đó nó phân tích content trong script và chuyển đổi cú pháp sau đó chuyển thành code js và chạy nó</a:t>
             </a:r>
-            <a:endParaRPr lang="en-US" dirty="0" smtClean="0">
-              <a:latin typeface="Tahoma" panose="020B0604030504040204" pitchFamily="34" charset="0"/>
-              <a:ea typeface="Tahoma" panose="020B0604030504040204" pitchFamily="34" charset="0"/>
-              <a:cs typeface="Tahoma" panose="020B0604030504040204" pitchFamily="34" charset="0"/>
-            </a:endParaRPr>
           </a:p>
         </p:txBody>
       </p:sp>
